--- a/Antrittsvortrag/Antrittsvortrag.pptx
+++ b/Antrittsvortrag/Antrittsvortrag.pptx
@@ -992,7 +992,7 @@
           </a:ln>
           <a:extLst>
             <a:ext uri="{91240B29-F687-4f45-9708-019B960494DF}">
-              <a14:hiddenLine xmlns="" xmlns:a14="http://schemas.microsoft.com/office/drawing/2010/main" w="9525">
+              <a14:hiddenLine xmlns:a14="http://schemas.microsoft.com/office/drawing/2010/main" xmlns="" w="9525">
                 <a:solidFill>
                   <a:srgbClr val="000000"/>
                 </a:solidFill>
@@ -1562,14 +1562,14 @@
             </a:ln>
             <a:extLst>
               <a:ext uri="{909E8E84-426E-40dd-AFC4-6F175D3DCCD1}">
-                <a14:hiddenFill xmlns:a14="http://schemas.microsoft.com/office/drawing/2010/main" xmlns="">
+                <a14:hiddenFill xmlns="" xmlns:a14="http://schemas.microsoft.com/office/drawing/2010/main">
                   <a:solidFill>
                     <a:srgbClr val="FFFFFF"/>
                   </a:solidFill>
                 </a14:hiddenFill>
               </a:ext>
               <a:ext uri="{91240B29-F687-4f45-9708-019B960494DF}">
-                <a14:hiddenLine xmlns:a14="http://schemas.microsoft.com/office/drawing/2010/main" xmlns="" w="9525">
+                <a14:hiddenLine xmlns="" xmlns:a14="http://schemas.microsoft.com/office/drawing/2010/main" w="9525">
                   <a:solidFill>
                     <a:srgbClr val="000000"/>
                   </a:solidFill>
@@ -1769,7 +1769,7 @@
           </a:ln>
           <a:extLst>
             <a:ext uri="{909E8E84-426E-40dd-AFC4-6F175D3DCCD1}">
-              <a14:hiddenFill xmlns:a14="http://schemas.microsoft.com/office/drawing/2010/main" xmlns="">
+              <a14:hiddenFill xmlns="" xmlns:a14="http://schemas.microsoft.com/office/drawing/2010/main">
                 <a:noFill/>
               </a14:hiddenFill>
             </a:ext>
@@ -3900,7 +3900,7 @@
           </a:ln>
           <a:extLst>
             <a:ext uri="{909E8E84-426E-40dd-AFC4-6F175D3DCCD1}">
-              <a14:hiddenFill xmlns:a14="http://schemas.microsoft.com/office/drawing/2010/main" xmlns="">
+              <a14:hiddenFill xmlns="" xmlns:a14="http://schemas.microsoft.com/office/drawing/2010/main">
                 <a:noFill/>
               </a14:hiddenFill>
             </a:ext>
@@ -4196,7 +4196,7 @@
             </a:ln>
             <a:extLst>
               <a:ext uri="{909E8E84-426E-40dd-AFC4-6F175D3DCCD1}">
-                <a14:hiddenFill xmlns:a14="http://schemas.microsoft.com/office/drawing/2010/main" xmlns="">
+                <a14:hiddenFill xmlns="" xmlns:a14="http://schemas.microsoft.com/office/drawing/2010/main">
                   <a:noFill/>
                 </a14:hiddenFill>
               </a:ext>
@@ -4245,14 +4245,14 @@
             </a:ln>
             <a:extLst>
               <a:ext uri="{909E8E84-426E-40dd-AFC4-6F175D3DCCD1}">
-                <a14:hiddenFill xmlns:a14="http://schemas.microsoft.com/office/drawing/2010/main" xmlns="">
+                <a14:hiddenFill xmlns="" xmlns:a14="http://schemas.microsoft.com/office/drawing/2010/main">
                   <a:solidFill>
                     <a:srgbClr val="FFFFFF"/>
                   </a:solidFill>
                 </a14:hiddenFill>
               </a:ext>
               <a:ext uri="{91240B29-F687-4f45-9708-019B960494DF}">
-                <a14:hiddenLine xmlns:a14="http://schemas.microsoft.com/office/drawing/2010/main" xmlns="" w="9525">
+                <a14:hiddenLine xmlns="" xmlns:a14="http://schemas.microsoft.com/office/drawing/2010/main" w="9525">
                   <a:solidFill>
                     <a:srgbClr val="000000"/>
                   </a:solidFill>
@@ -4479,7 +4479,7 @@
           </a:ln>
           <a:extLst>
             <a:ext uri="{909E8E84-426E-40dd-AFC4-6F175D3DCCD1}">
-              <a14:hiddenFill xmlns:a14="http://schemas.microsoft.com/office/drawing/2010/main" xmlns="">
+              <a14:hiddenFill xmlns="" xmlns:a14="http://schemas.microsoft.com/office/drawing/2010/main">
                 <a:noFill/>
               </a14:hiddenFill>
             </a:ext>
@@ -5275,15 +5275,7 @@
                   <a:srgbClr val="000000"/>
                 </a:solidFill>
               </a:rPr>
-              <a:t>Ployplearn </a:t>
-            </a:r>
-            <a:r>
-              <a:rPr lang="en-GB" sz="1600" b="1" noProof="1" smtClean="0">
-                <a:solidFill>
-                  <a:srgbClr val="000000"/>
-                </a:solidFill>
-              </a:rPr>
-              <a:t>Ravivanpong</a:t>
+              <a:t>Ployplearn Ravivanpong</a:t>
             </a:r>
           </a:p>
           <a:p>
@@ -5790,7 +5782,6 @@
               <a:rPr lang="de-DE" altLang="de-DE" sz="2800" kern="0" dirty="0" smtClean="0"/>
               <a:t>Kausale Inferenz</a:t>
             </a:r>
-            <a:endParaRPr lang="de-DE" altLang="de-DE" sz="2800" kern="0" dirty="0" smtClean="0"/>
           </a:p>
         </p:txBody>
       </p:sp>
@@ -5991,7 +5982,6 @@
               <a:rPr lang="de-DE" altLang="de-DE" sz="3600" b="0" kern="0" baseline="-25000" dirty="0" smtClean="0"/>
               <a:t> oder 1</a:t>
             </a:r>
-            <a:endParaRPr lang="de-DE" altLang="de-DE" sz="3600" b="0" kern="0" baseline="-25000" dirty="0" smtClean="0"/>
           </a:p>
         </p:txBody>
       </p:sp>
@@ -6641,7 +6631,11 @@
             </a:r>
             <a:r>
               <a:rPr lang="de-DE" sz="2400" dirty="0" err="1" smtClean="0"/>
-              <a:t>Synth-Valiation</a:t>
+              <a:t>Synth</a:t>
+            </a:r>
+            <a:r>
+              <a:rPr lang="de-DE" sz="2400" smtClean="0"/>
+              <a:t>-Validation</a:t>
             </a:r>
             <a:endParaRPr lang="de-DE" dirty="0"/>
           </a:p>
